--- a/Embedded milestone-2.pptx
+++ b/Embedded milestone-2.pptx
@@ -20,6 +20,7 @@
     <p:sldId id="265" r:id="rId15"/>
     <p:sldId id="266" r:id="rId16"/>
     <p:sldId id="267" r:id="rId17"/>
+    <p:sldId id="268" r:id="rId18"/>
   </p:sldIdLst>
   <p:sldSz cy="5143500" cx="9144000"/>
   <p:notesSz cx="6858000" cy="9144000"/>
@@ -801,7 +802,7 @@
   <p:cSld>
     <p:spTree>
       <p:nvGrpSpPr>
-        <p:cNvPr id="114" name="Shape 114"/>
+        <p:cNvPr id="115" name="Shape 115"/>
         <p:cNvGrpSpPr/>
         <p:nvPr/>
       </p:nvGrpSpPr>
@@ -815,7 +816,7 @@
       </p:grpSpPr>
       <p:sp>
         <p:nvSpPr>
-          <p:cNvPr id="115" name="Google Shape;115;g33b3da70015_0_115:notes"/>
+          <p:cNvPr id="116" name="Google Shape;116;g33b3da70015_0_109:notes"/>
           <p:cNvSpPr/>
           <p:nvPr>
             <p:ph idx="2" type="sldImg"/>
@@ -850,7 +851,7 @@
       </p:sp>
       <p:sp>
         <p:nvSpPr>
-          <p:cNvPr id="116" name="Google Shape;116;g33b3da70015_0_115:notes"/>
+          <p:cNvPr id="117" name="Google Shape;117;g33b3da70015_0_109:notes"/>
           <p:cNvSpPr txBox="1"/>
           <p:nvPr>
             <p:ph idx="1" type="body"/>
@@ -900,7 +901,7 @@
   <p:cSld>
     <p:spTree>
       <p:nvGrpSpPr>
-        <p:cNvPr id="121" name="Shape 121"/>
+        <p:cNvPr id="122" name="Shape 122"/>
         <p:cNvGrpSpPr/>
         <p:nvPr/>
       </p:nvGrpSpPr>
@@ -914,7 +915,7 @@
       </p:grpSpPr>
       <p:sp>
         <p:nvSpPr>
-          <p:cNvPr id="122" name="Google Shape;122;g33b3da70015_0_121:notes"/>
+          <p:cNvPr id="123" name="Google Shape;123;g33b3da70015_0_115:notes"/>
           <p:cNvSpPr/>
           <p:nvPr>
             <p:ph idx="2" type="sldImg"/>
@@ -949,7 +950,7 @@
       </p:sp>
       <p:sp>
         <p:nvSpPr>
-          <p:cNvPr id="123" name="Google Shape;123;g33b3da70015_0_121:notes"/>
+          <p:cNvPr id="124" name="Google Shape;124;g33b3da70015_0_115:notes"/>
           <p:cNvSpPr txBox="1"/>
           <p:nvPr>
             <p:ph idx="1" type="body"/>
@@ -999,7 +1000,7 @@
   <p:cSld>
     <p:spTree>
       <p:nvGrpSpPr>
-        <p:cNvPr id="128" name="Shape 128"/>
+        <p:cNvPr id="129" name="Shape 129"/>
         <p:cNvGrpSpPr/>
         <p:nvPr/>
       </p:nvGrpSpPr>
@@ -1013,7 +1014,7 @@
       </p:grpSpPr>
       <p:sp>
         <p:nvSpPr>
-          <p:cNvPr id="129" name="Google Shape;129;g33b3da70015_0_127:notes"/>
+          <p:cNvPr id="130" name="Google Shape;130;g33b3da70015_0_121:notes"/>
           <p:cNvSpPr/>
           <p:nvPr>
             <p:ph idx="2" type="sldImg"/>
@@ -1048,7 +1049,106 @@
       </p:sp>
       <p:sp>
         <p:nvSpPr>
-          <p:cNvPr id="130" name="Google Shape;130;g33b3da70015_0_127:notes"/>
+          <p:cNvPr id="131" name="Google Shape;131;g33b3da70015_0_121:notes"/>
+          <p:cNvSpPr txBox="1"/>
+          <p:nvPr>
+            <p:ph idx="1" type="body"/>
+          </p:nvPr>
+        </p:nvSpPr>
+        <p:spPr>
+          <a:xfrm>
+            <a:off x="685800" y="4343400"/>
+            <a:ext cx="5486400" cy="4114800"/>
+          </a:xfrm>
+          <a:prstGeom prst="rect">
+            <a:avLst/>
+          </a:prstGeom>
+        </p:spPr>
+        <p:txBody>
+          <a:bodyPr anchorCtr="0" anchor="t" bIns="91425" lIns="91425" spcFirstLastPara="1" rIns="91425" wrap="square" tIns="91425">
+            <a:noAutofit/>
+          </a:bodyPr>
+          <a:lstStyle/>
+          <a:p>
+            <a:pPr indent="0" lvl="0" marL="0" rtl="0" algn="l">
+              <a:spcBef>
+                <a:spcPts val="0"/>
+              </a:spcBef>
+              <a:spcAft>
+                <a:spcPts val="0"/>
+              </a:spcAft>
+              <a:buNone/>
+            </a:pPr>
+            <a:r>
+              <a:t/>
+            </a:r>
+            <a:endParaRPr/>
+          </a:p>
+        </p:txBody>
+      </p:sp>
+    </p:spTree>
+  </p:cSld>
+  <p:clrMapOvr>
+    <a:masterClrMapping/>
+  </p:clrMapOvr>
+</p:notes>
+</file>
+
+<file path=ppt/notesSlides/notesSlide13.xml><?xml version="1.0" encoding="utf-8"?>
+<p:notes xmlns:a="http://schemas.openxmlformats.org/drawingml/2006/main" xmlns:r="http://schemas.openxmlformats.org/officeDocument/2006/relationships" xmlns:mc="http://schemas.openxmlformats.org/markup-compatibility/2006" xmlns:mv="urn:schemas-microsoft-com:mac:vml" xmlns:p="http://schemas.openxmlformats.org/presentationml/2006/main" xmlns:c="http://schemas.openxmlformats.org/drawingml/2006/chart" xmlns:dgm="http://schemas.openxmlformats.org/drawingml/2006/diagram" xmlns:o="urn:schemas-microsoft-com:office:office" xmlns:v="urn:schemas-microsoft-com:vml" xmlns:pvml="urn:schemas-microsoft-com:office:powerpoint" xmlns:com="http://schemas.openxmlformats.org/drawingml/2006/compatibility" xmlns:p14="http://schemas.microsoft.com/office/powerpoint/2010/main" xmlns:p15="http://schemas.microsoft.com/office/powerpoint/2012/main" xmlns:ahyp="http://schemas.microsoft.com/office/drawing/2018/hyperlinkcolor" showMasterPhAnim="0" showMasterSp="0">
+  <p:cSld>
+    <p:spTree>
+      <p:nvGrpSpPr>
+        <p:cNvPr id="136" name="Shape 136"/>
+        <p:cNvGrpSpPr/>
+        <p:nvPr/>
+      </p:nvGrpSpPr>
+      <p:grpSpPr>
+        <a:xfrm>
+          <a:off x="0" y="0"/>
+          <a:ext cx="0" cy="0"/>
+          <a:chOff x="0" y="0"/>
+          <a:chExt cx="0" cy="0"/>
+        </a:xfrm>
+      </p:grpSpPr>
+      <p:sp>
+        <p:nvSpPr>
+          <p:cNvPr id="137" name="Google Shape;137;g33b3da70015_0_127:notes"/>
+          <p:cNvSpPr/>
+          <p:nvPr>
+            <p:ph idx="2" type="sldImg"/>
+          </p:nvPr>
+        </p:nvSpPr>
+        <p:spPr>
+          <a:xfrm>
+            <a:off x="381300" y="685800"/>
+            <a:ext cx="6096000" cy="3429000"/>
+          </a:xfrm>
+          <a:custGeom>
+            <a:rect b="b" l="l" r="r" t="t"/>
+            <a:pathLst>
+              <a:path extrusionOk="0" h="120000" w="120000">
+                <a:moveTo>
+                  <a:pt x="0" y="0"/>
+                </a:moveTo>
+                <a:lnTo>
+                  <a:pt x="120000" y="0"/>
+                </a:lnTo>
+                <a:lnTo>
+                  <a:pt x="120000" y="120000"/>
+                </a:lnTo>
+                <a:lnTo>
+                  <a:pt x="0" y="120000"/>
+                </a:lnTo>
+                <a:close/>
+              </a:path>
+            </a:pathLst>
+          </a:custGeom>
+        </p:spPr>
+      </p:sp>
+      <p:sp>
+        <p:nvSpPr>
+          <p:cNvPr id="138" name="Google Shape;138;g33b3da70015_0_127:notes"/>
           <p:cNvSpPr txBox="1"/>
           <p:nvPr>
             <p:ph idx="1" type="body"/>
@@ -1310,7 +1410,7 @@
       </p:grpSpPr>
       <p:sp>
         <p:nvSpPr>
-          <p:cNvPr id="73" name="Google Shape;73;g33b3da70015_0_79:notes"/>
+          <p:cNvPr id="73" name="Google Shape;73;g33b3da70015_0_139:notes"/>
           <p:cNvSpPr/>
           <p:nvPr>
             <p:ph idx="2" type="sldImg"/>
@@ -1345,7 +1445,7 @@
       </p:sp>
       <p:sp>
         <p:nvSpPr>
-          <p:cNvPr id="74" name="Google Shape;74;g33b3da70015_0_79:notes"/>
+          <p:cNvPr id="74" name="Google Shape;74;g33b3da70015_0_139:notes"/>
           <p:cNvSpPr txBox="1"/>
           <p:nvPr>
             <p:ph idx="1" type="body"/>
@@ -1395,7 +1495,7 @@
   <p:cSld>
     <p:spTree>
       <p:nvGrpSpPr>
-        <p:cNvPr id="79" name="Shape 79"/>
+        <p:cNvPr id="80" name="Shape 80"/>
         <p:cNvGrpSpPr/>
         <p:nvPr/>
       </p:nvGrpSpPr>
@@ -1409,7 +1509,7 @@
       </p:grpSpPr>
       <p:sp>
         <p:nvSpPr>
-          <p:cNvPr id="80" name="Google Shape;80;g33b3da70015_0_85:notes"/>
+          <p:cNvPr id="81" name="Google Shape;81;g33b3da70015_0_79:notes"/>
           <p:cNvSpPr/>
           <p:nvPr>
             <p:ph idx="2" type="sldImg"/>
@@ -1444,7 +1544,7 @@
       </p:sp>
       <p:sp>
         <p:nvSpPr>
-          <p:cNvPr id="81" name="Google Shape;81;g33b3da70015_0_85:notes"/>
+          <p:cNvPr id="82" name="Google Shape;82;g33b3da70015_0_79:notes"/>
           <p:cNvSpPr txBox="1"/>
           <p:nvPr>
             <p:ph idx="1" type="body"/>
@@ -1494,7 +1594,7 @@
   <p:cSld>
     <p:spTree>
       <p:nvGrpSpPr>
-        <p:cNvPr id="86" name="Shape 86"/>
+        <p:cNvPr id="87" name="Shape 87"/>
         <p:cNvGrpSpPr/>
         <p:nvPr/>
       </p:nvGrpSpPr>
@@ -1508,7 +1608,7 @@
       </p:grpSpPr>
       <p:sp>
         <p:nvSpPr>
-          <p:cNvPr id="87" name="Google Shape;87;g33b3da70015_0_91:notes"/>
+          <p:cNvPr id="88" name="Google Shape;88;g33b3da70015_0_85:notes"/>
           <p:cNvSpPr/>
           <p:nvPr>
             <p:ph idx="2" type="sldImg"/>
@@ -1543,7 +1643,7 @@
       </p:sp>
       <p:sp>
         <p:nvSpPr>
-          <p:cNvPr id="88" name="Google Shape;88;g33b3da70015_0_91:notes"/>
+          <p:cNvPr id="89" name="Google Shape;89;g33b3da70015_0_85:notes"/>
           <p:cNvSpPr txBox="1"/>
           <p:nvPr>
             <p:ph idx="1" type="body"/>
@@ -1593,7 +1693,7 @@
   <p:cSld>
     <p:spTree>
       <p:nvGrpSpPr>
-        <p:cNvPr id="93" name="Shape 93"/>
+        <p:cNvPr id="94" name="Shape 94"/>
         <p:cNvGrpSpPr/>
         <p:nvPr/>
       </p:nvGrpSpPr>
@@ -1607,7 +1707,7 @@
       </p:grpSpPr>
       <p:sp>
         <p:nvSpPr>
-          <p:cNvPr id="94" name="Google Shape;94;g33b3da70015_0_133:notes"/>
+          <p:cNvPr id="95" name="Google Shape;95;g33b3da70015_0_91:notes"/>
           <p:cNvSpPr/>
           <p:nvPr>
             <p:ph idx="2" type="sldImg"/>
@@ -1642,7 +1742,7 @@
       </p:sp>
       <p:sp>
         <p:nvSpPr>
-          <p:cNvPr id="95" name="Google Shape;95;g33b3da70015_0_133:notes"/>
+          <p:cNvPr id="96" name="Google Shape;96;g33b3da70015_0_91:notes"/>
           <p:cNvSpPr txBox="1"/>
           <p:nvPr>
             <p:ph idx="1" type="body"/>
@@ -1692,7 +1792,7 @@
   <p:cSld>
     <p:spTree>
       <p:nvGrpSpPr>
-        <p:cNvPr id="100" name="Shape 100"/>
+        <p:cNvPr id="101" name="Shape 101"/>
         <p:cNvGrpSpPr/>
         <p:nvPr/>
       </p:nvGrpSpPr>
@@ -1706,7 +1806,7 @@
       </p:grpSpPr>
       <p:sp>
         <p:nvSpPr>
-          <p:cNvPr id="101" name="Google Shape;101;g33b3da70015_0_103:notes"/>
+          <p:cNvPr id="102" name="Google Shape;102;g33b3da70015_0_133:notes"/>
           <p:cNvSpPr/>
           <p:nvPr>
             <p:ph idx="2" type="sldImg"/>
@@ -1741,7 +1841,7 @@
       </p:sp>
       <p:sp>
         <p:nvSpPr>
-          <p:cNvPr id="102" name="Google Shape;102;g33b3da70015_0_103:notes"/>
+          <p:cNvPr id="103" name="Google Shape;103;g33b3da70015_0_133:notes"/>
           <p:cNvSpPr txBox="1"/>
           <p:nvPr>
             <p:ph idx="1" type="body"/>
@@ -1791,7 +1891,7 @@
   <p:cSld>
     <p:spTree>
       <p:nvGrpSpPr>
-        <p:cNvPr id="107" name="Shape 107"/>
+        <p:cNvPr id="108" name="Shape 108"/>
         <p:cNvGrpSpPr/>
         <p:nvPr/>
       </p:nvGrpSpPr>
@@ -1805,7 +1905,7 @@
       </p:grpSpPr>
       <p:sp>
         <p:nvSpPr>
-          <p:cNvPr id="108" name="Google Shape;108;g33b3da70015_0_109:notes"/>
+          <p:cNvPr id="109" name="Google Shape;109;g33b3da70015_0_103:notes"/>
           <p:cNvSpPr/>
           <p:nvPr>
             <p:ph idx="2" type="sldImg"/>
@@ -1840,7 +1940,7 @@
       </p:sp>
       <p:sp>
         <p:nvSpPr>
-          <p:cNvPr id="109" name="Google Shape;109;g33b3da70015_0_109:notes"/>
+          <p:cNvPr id="110" name="Google Shape;110;g33b3da70015_0_103:notes"/>
           <p:cNvSpPr txBox="1"/>
           <p:nvPr>
             <p:ph idx="1" type="body"/>
@@ -6773,7 +6873,7 @@
   <p:cSld>
     <p:spTree>
       <p:nvGrpSpPr>
-        <p:cNvPr id="117" name="Shape 117"/>
+        <p:cNvPr id="118" name="Shape 118"/>
         <p:cNvGrpSpPr/>
         <p:nvPr/>
       </p:nvGrpSpPr>
@@ -6787,7 +6887,7 @@
       </p:grpSpPr>
       <p:sp>
         <p:nvSpPr>
-          <p:cNvPr id="118" name="Google Shape;118;p22"/>
+          <p:cNvPr id="119" name="Google Shape;119;p22"/>
           <p:cNvSpPr txBox="1"/>
           <p:nvPr>
             <p:ph type="title"/>
@@ -6826,7 +6926,7 @@
       </p:sp>
       <p:sp>
         <p:nvSpPr>
-          <p:cNvPr id="119" name="Google Shape;119;p22"/>
+          <p:cNvPr id="120" name="Google Shape;120;p22"/>
           <p:cNvSpPr txBox="1"/>
           <p:nvPr>
             <p:ph idx="1" type="body"/>
@@ -6865,7 +6965,7 @@
       </p:sp>
       <p:pic>
         <p:nvPicPr>
-          <p:cNvPr id="120" name="Google Shape;120;p22"/>
+          <p:cNvPr id="121" name="Google Shape;121;p22"/>
           <p:cNvPicPr preferRelativeResize="0"/>
           <p:nvPr/>
         </p:nvPicPr>
@@ -6879,8 +6979,8 @@
         </p:blipFill>
         <p:spPr>
           <a:xfrm>
-            <a:off x="0" y="1241"/>
-            <a:ext cx="9144000" cy="5141019"/>
+            <a:off x="0" y="6405"/>
+            <a:ext cx="9143998" cy="5130689"/>
           </a:xfrm>
           <a:prstGeom prst="rect">
             <a:avLst/>
@@ -6904,7 +7004,7 @@
   <p:cSld>
     <p:spTree>
       <p:nvGrpSpPr>
-        <p:cNvPr id="124" name="Shape 124"/>
+        <p:cNvPr id="125" name="Shape 125"/>
         <p:cNvGrpSpPr/>
         <p:nvPr/>
       </p:nvGrpSpPr>
@@ -6918,7 +7018,7 @@
       </p:grpSpPr>
       <p:sp>
         <p:nvSpPr>
-          <p:cNvPr id="125" name="Google Shape;125;p23"/>
+          <p:cNvPr id="126" name="Google Shape;126;p23"/>
           <p:cNvSpPr txBox="1"/>
           <p:nvPr>
             <p:ph type="title"/>
@@ -6957,7 +7057,7 @@
       </p:sp>
       <p:sp>
         <p:nvSpPr>
-          <p:cNvPr id="126" name="Google Shape;126;p23"/>
+          <p:cNvPr id="127" name="Google Shape;127;p23"/>
           <p:cNvSpPr txBox="1"/>
           <p:nvPr>
             <p:ph idx="1" type="body"/>
@@ -6996,7 +7096,7 @@
       </p:sp>
       <p:pic>
         <p:nvPicPr>
-          <p:cNvPr id="127" name="Google Shape;127;p23"/>
+          <p:cNvPr id="128" name="Google Shape;128;p23"/>
           <p:cNvPicPr preferRelativeResize="0"/>
           <p:nvPr/>
         </p:nvPicPr>
@@ -7010,8 +7110,8 @@
         </p:blipFill>
         <p:spPr>
           <a:xfrm>
-            <a:off x="0" y="10110"/>
-            <a:ext cx="9143999" cy="5123280"/>
+            <a:off x="0" y="1241"/>
+            <a:ext cx="9144000" cy="5141019"/>
           </a:xfrm>
           <a:prstGeom prst="rect">
             <a:avLst/>
@@ -7035,7 +7135,7 @@
   <p:cSld>
     <p:spTree>
       <p:nvGrpSpPr>
-        <p:cNvPr id="131" name="Shape 131"/>
+        <p:cNvPr id="132" name="Shape 132"/>
         <p:cNvGrpSpPr/>
         <p:nvPr/>
       </p:nvGrpSpPr>
@@ -7049,7 +7149,7 @@
       </p:grpSpPr>
       <p:sp>
         <p:nvSpPr>
-          <p:cNvPr id="132" name="Google Shape;132;p24"/>
+          <p:cNvPr id="133" name="Google Shape;133;p24"/>
           <p:cNvSpPr txBox="1"/>
           <p:nvPr>
             <p:ph type="title"/>
@@ -7088,7 +7188,7 @@
       </p:sp>
       <p:sp>
         <p:nvSpPr>
-          <p:cNvPr id="133" name="Google Shape;133;p24"/>
+          <p:cNvPr id="134" name="Google Shape;134;p24"/>
           <p:cNvSpPr txBox="1"/>
           <p:nvPr>
             <p:ph idx="1" type="body"/>
@@ -7127,7 +7227,138 @@
       </p:sp>
       <p:pic>
         <p:nvPicPr>
-          <p:cNvPr id="134" name="Google Shape;134;p24"/>
+          <p:cNvPr id="135" name="Google Shape;135;p24"/>
+          <p:cNvPicPr preferRelativeResize="0"/>
+          <p:nvPr/>
+        </p:nvPicPr>
+        <p:blipFill>
+          <a:blip r:embed="rId3">
+            <a:alphaModFix/>
+          </a:blip>
+          <a:stretch>
+            <a:fillRect/>
+          </a:stretch>
+        </p:blipFill>
+        <p:spPr>
+          <a:xfrm>
+            <a:off x="0" y="10110"/>
+            <a:ext cx="9143999" cy="5123280"/>
+          </a:xfrm>
+          <a:prstGeom prst="rect">
+            <a:avLst/>
+          </a:prstGeom>
+          <a:noFill/>
+          <a:ln>
+            <a:noFill/>
+          </a:ln>
+        </p:spPr>
+      </p:pic>
+    </p:spTree>
+  </p:cSld>
+  <p:clrMapOvr>
+    <a:masterClrMapping/>
+  </p:clrMapOvr>
+</p:sld>
+</file>
+
+<file path=ppt/slides/slide13.xml><?xml version="1.0" encoding="utf-8"?>
+<p:sld xmlns:a="http://schemas.openxmlformats.org/drawingml/2006/main" xmlns:r="http://schemas.openxmlformats.org/officeDocument/2006/relationships" xmlns:mc="http://schemas.openxmlformats.org/markup-compatibility/2006" xmlns:mv="urn:schemas-microsoft-com:mac:vml" xmlns:p="http://schemas.openxmlformats.org/presentationml/2006/main" xmlns:c="http://schemas.openxmlformats.org/drawingml/2006/chart" xmlns:dgm="http://schemas.openxmlformats.org/drawingml/2006/diagram" xmlns:o="urn:schemas-microsoft-com:office:office" xmlns:v="urn:schemas-microsoft-com:vml" xmlns:pvml="urn:schemas-microsoft-com:office:powerpoint" xmlns:com="http://schemas.openxmlformats.org/drawingml/2006/compatibility" xmlns:p14="http://schemas.microsoft.com/office/powerpoint/2010/main" xmlns:p15="http://schemas.microsoft.com/office/powerpoint/2012/main" xmlns:ahyp="http://schemas.microsoft.com/office/drawing/2018/hyperlinkcolor">
+  <p:cSld>
+    <p:spTree>
+      <p:nvGrpSpPr>
+        <p:cNvPr id="139" name="Shape 139"/>
+        <p:cNvGrpSpPr/>
+        <p:nvPr/>
+      </p:nvGrpSpPr>
+      <p:grpSpPr>
+        <a:xfrm>
+          <a:off x="0" y="0"/>
+          <a:ext cx="0" cy="0"/>
+          <a:chOff x="0" y="0"/>
+          <a:chExt cx="0" cy="0"/>
+        </a:xfrm>
+      </p:grpSpPr>
+      <p:sp>
+        <p:nvSpPr>
+          <p:cNvPr id="140" name="Google Shape;140;p25"/>
+          <p:cNvSpPr txBox="1"/>
+          <p:nvPr>
+            <p:ph type="title"/>
+          </p:nvPr>
+        </p:nvSpPr>
+        <p:spPr>
+          <a:xfrm>
+            <a:off x="311700" y="445025"/>
+            <a:ext cx="8520600" cy="572700"/>
+          </a:xfrm>
+          <a:prstGeom prst="rect">
+            <a:avLst/>
+          </a:prstGeom>
+        </p:spPr>
+        <p:txBody>
+          <a:bodyPr anchorCtr="0" anchor="t" bIns="91425" lIns="91425" spcFirstLastPara="1" rIns="91425" wrap="square" tIns="91425">
+            <a:normAutofit fontScale="90000"/>
+          </a:bodyPr>
+          <a:lstStyle/>
+          <a:p>
+            <a:pPr indent="0" lvl="0" marL="0" rtl="0" algn="l">
+              <a:spcBef>
+                <a:spcPts val="0"/>
+              </a:spcBef>
+              <a:spcAft>
+                <a:spcPts val="0"/>
+              </a:spcAft>
+              <a:buNone/>
+            </a:pPr>
+            <a:r>
+              <a:t/>
+            </a:r>
+            <a:endParaRPr/>
+          </a:p>
+        </p:txBody>
+      </p:sp>
+      <p:sp>
+        <p:nvSpPr>
+          <p:cNvPr id="141" name="Google Shape;141;p25"/>
+          <p:cNvSpPr txBox="1"/>
+          <p:nvPr>
+            <p:ph idx="1" type="body"/>
+          </p:nvPr>
+        </p:nvSpPr>
+        <p:spPr>
+          <a:xfrm>
+            <a:off x="311700" y="1152475"/>
+            <a:ext cx="8520600" cy="3416400"/>
+          </a:xfrm>
+          <a:prstGeom prst="rect">
+            <a:avLst/>
+          </a:prstGeom>
+        </p:spPr>
+        <p:txBody>
+          <a:bodyPr anchorCtr="0" anchor="t" bIns="91425" lIns="91425" spcFirstLastPara="1" rIns="91425" wrap="square" tIns="91425">
+            <a:normAutofit/>
+          </a:bodyPr>
+          <a:lstStyle/>
+          <a:p>
+            <a:pPr indent="0" lvl="0" marL="0" rtl="0" algn="l">
+              <a:spcBef>
+                <a:spcPts val="0"/>
+              </a:spcBef>
+              <a:spcAft>
+                <a:spcPts val="1200"/>
+              </a:spcAft>
+              <a:buNone/>
+            </a:pPr>
+            <a:r>
+              <a:t/>
+            </a:r>
+            <a:endParaRPr/>
+          </a:p>
+        </p:txBody>
+      </p:sp>
+      <p:pic>
+        <p:nvPicPr>
+          <p:cNvPr id="142" name="Google Shape;142;p25"/>
           <p:cNvPicPr preferRelativeResize="0"/>
           <p:nvPr/>
         </p:nvPicPr>
@@ -7534,8 +7765,36 @@
         </p:blipFill>
         <p:spPr>
           <a:xfrm>
-            <a:off x="367" y="0"/>
-            <a:ext cx="9143265" cy="5143500"/>
+            <a:off x="40354" y="0"/>
+            <a:ext cx="9063291" cy="5143500"/>
+          </a:xfrm>
+          <a:prstGeom prst="rect">
+            <a:avLst/>
+          </a:prstGeom>
+          <a:noFill/>
+          <a:ln>
+            <a:noFill/>
+          </a:ln>
+        </p:spPr>
+      </p:pic>
+      <p:pic>
+        <p:nvPicPr>
+          <p:cNvPr id="79" name="Google Shape;79;p16" title="System Architecture.drawio.drawio 1.png"/>
+          <p:cNvPicPr preferRelativeResize="0"/>
+          <p:nvPr/>
+        </p:nvPicPr>
+        <p:blipFill>
+          <a:blip r:embed="rId4">
+            <a:alphaModFix/>
+          </a:blip>
+          <a:stretch>
+            <a:fillRect/>
+          </a:stretch>
+        </p:blipFill>
+        <p:spPr>
+          <a:xfrm>
+            <a:off x="854625" y="1199300"/>
+            <a:ext cx="5870325" cy="3416401"/>
           </a:xfrm>
           <a:prstGeom prst="rect">
             <a:avLst/>
@@ -7559,7 +7818,7 @@
   <p:cSld>
     <p:spTree>
       <p:nvGrpSpPr>
-        <p:cNvPr id="82" name="Shape 82"/>
+        <p:cNvPr id="83" name="Shape 83"/>
         <p:cNvGrpSpPr/>
         <p:nvPr/>
       </p:nvGrpSpPr>
@@ -7573,7 +7832,7 @@
       </p:grpSpPr>
       <p:sp>
         <p:nvSpPr>
-          <p:cNvPr id="83" name="Google Shape;83;p17"/>
+          <p:cNvPr id="84" name="Google Shape;84;p17"/>
           <p:cNvSpPr txBox="1"/>
           <p:nvPr>
             <p:ph type="title"/>
@@ -7612,7 +7871,7 @@
       </p:sp>
       <p:sp>
         <p:nvSpPr>
-          <p:cNvPr id="84" name="Google Shape;84;p17"/>
+          <p:cNvPr id="85" name="Google Shape;85;p17"/>
           <p:cNvSpPr txBox="1"/>
           <p:nvPr>
             <p:ph idx="1" type="body"/>
@@ -7651,7 +7910,7 @@
       </p:sp>
       <p:pic>
         <p:nvPicPr>
-          <p:cNvPr id="85" name="Google Shape;85;p17"/>
+          <p:cNvPr id="86" name="Google Shape;86;p17"/>
           <p:cNvPicPr preferRelativeResize="0"/>
           <p:nvPr/>
         </p:nvPicPr>
@@ -7665,8 +7924,8 @@
         </p:blipFill>
         <p:spPr>
           <a:xfrm>
-            <a:off x="3673" y="0"/>
-            <a:ext cx="9136654" cy="5143500"/>
+            <a:off x="367" y="0"/>
+            <a:ext cx="9143265" cy="5143500"/>
           </a:xfrm>
           <a:prstGeom prst="rect">
             <a:avLst/>
@@ -7690,7 +7949,7 @@
   <p:cSld>
     <p:spTree>
       <p:nvGrpSpPr>
-        <p:cNvPr id="89" name="Shape 89"/>
+        <p:cNvPr id="90" name="Shape 90"/>
         <p:cNvGrpSpPr/>
         <p:nvPr/>
       </p:nvGrpSpPr>
@@ -7704,7 +7963,7 @@
       </p:grpSpPr>
       <p:sp>
         <p:nvSpPr>
-          <p:cNvPr id="90" name="Google Shape;90;p18"/>
+          <p:cNvPr id="91" name="Google Shape;91;p18"/>
           <p:cNvSpPr txBox="1"/>
           <p:nvPr>
             <p:ph type="title"/>
@@ -7743,7 +8002,7 @@
       </p:sp>
       <p:sp>
         <p:nvSpPr>
-          <p:cNvPr id="91" name="Google Shape;91;p18"/>
+          <p:cNvPr id="92" name="Google Shape;92;p18"/>
           <p:cNvSpPr txBox="1"/>
           <p:nvPr>
             <p:ph idx="1" type="body"/>
@@ -7782,7 +8041,7 @@
       </p:sp>
       <p:pic>
         <p:nvPicPr>
-          <p:cNvPr id="92" name="Google Shape;92;p18"/>
+          <p:cNvPr id="93" name="Google Shape;93;p18"/>
           <p:cNvPicPr preferRelativeResize="0"/>
           <p:nvPr/>
         </p:nvPicPr>
@@ -7796,8 +8055,8 @@
         </p:blipFill>
         <p:spPr>
           <a:xfrm>
-            <a:off x="11342" y="0"/>
-            <a:ext cx="9121316" cy="5143500"/>
+            <a:off x="3673" y="0"/>
+            <a:ext cx="9136654" cy="5143500"/>
           </a:xfrm>
           <a:prstGeom prst="rect">
             <a:avLst/>
@@ -7821,7 +8080,7 @@
   <p:cSld>
     <p:spTree>
       <p:nvGrpSpPr>
-        <p:cNvPr id="96" name="Shape 96"/>
+        <p:cNvPr id="97" name="Shape 97"/>
         <p:cNvGrpSpPr/>
         <p:nvPr/>
       </p:nvGrpSpPr>
@@ -7835,7 +8094,7 @@
       </p:grpSpPr>
       <p:sp>
         <p:nvSpPr>
-          <p:cNvPr id="97" name="Google Shape;97;p19"/>
+          <p:cNvPr id="98" name="Google Shape;98;p19"/>
           <p:cNvSpPr txBox="1"/>
           <p:nvPr>
             <p:ph type="title"/>
@@ -7874,7 +8133,7 @@
       </p:sp>
       <p:sp>
         <p:nvSpPr>
-          <p:cNvPr id="98" name="Google Shape;98;p19"/>
+          <p:cNvPr id="99" name="Google Shape;99;p19"/>
           <p:cNvSpPr txBox="1"/>
           <p:nvPr>
             <p:ph idx="1" type="body"/>
@@ -7913,7 +8172,7 @@
       </p:sp>
       <p:pic>
         <p:nvPicPr>
-          <p:cNvPr id="99" name="Google Shape;99;p19"/>
+          <p:cNvPr id="100" name="Google Shape;100;p19"/>
           <p:cNvPicPr preferRelativeResize="0"/>
           <p:nvPr/>
         </p:nvPicPr>
@@ -7927,8 +8186,8 @@
         </p:blipFill>
         <p:spPr>
           <a:xfrm>
-            <a:off x="21221" y="0"/>
-            <a:ext cx="9101558" cy="5143500"/>
+            <a:off x="11342" y="0"/>
+            <a:ext cx="9121316" cy="5143500"/>
           </a:xfrm>
           <a:prstGeom prst="rect">
             <a:avLst/>
@@ -7952,7 +8211,7 @@
   <p:cSld>
     <p:spTree>
       <p:nvGrpSpPr>
-        <p:cNvPr id="103" name="Shape 103"/>
+        <p:cNvPr id="104" name="Shape 104"/>
         <p:cNvGrpSpPr/>
         <p:nvPr/>
       </p:nvGrpSpPr>
@@ -7966,7 +8225,7 @@
       </p:grpSpPr>
       <p:sp>
         <p:nvSpPr>
-          <p:cNvPr id="104" name="Google Shape;104;p20"/>
+          <p:cNvPr id="105" name="Google Shape;105;p20"/>
           <p:cNvSpPr txBox="1"/>
           <p:nvPr>
             <p:ph type="title"/>
@@ -8005,7 +8264,7 @@
       </p:sp>
       <p:sp>
         <p:nvSpPr>
-          <p:cNvPr id="105" name="Google Shape;105;p20"/>
+          <p:cNvPr id="106" name="Google Shape;106;p20"/>
           <p:cNvSpPr txBox="1"/>
           <p:nvPr>
             <p:ph idx="1" type="body"/>
@@ -8044,7 +8303,7 @@
       </p:sp>
       <p:pic>
         <p:nvPicPr>
-          <p:cNvPr id="106" name="Google Shape;106;p20"/>
+          <p:cNvPr id="107" name="Google Shape;107;p20"/>
           <p:cNvPicPr preferRelativeResize="0"/>
           <p:nvPr/>
         </p:nvPicPr>
@@ -8058,8 +8317,8 @@
         </p:blipFill>
         <p:spPr>
           <a:xfrm>
-            <a:off x="15387" y="0"/>
-            <a:ext cx="9113226" cy="5143499"/>
+            <a:off x="21221" y="0"/>
+            <a:ext cx="9101558" cy="5143500"/>
           </a:xfrm>
           <a:prstGeom prst="rect">
             <a:avLst/>
@@ -8083,7 +8342,7 @@
   <p:cSld>
     <p:spTree>
       <p:nvGrpSpPr>
-        <p:cNvPr id="110" name="Shape 110"/>
+        <p:cNvPr id="111" name="Shape 111"/>
         <p:cNvGrpSpPr/>
         <p:nvPr/>
       </p:nvGrpSpPr>
@@ -8097,7 +8356,7 @@
       </p:grpSpPr>
       <p:sp>
         <p:nvSpPr>
-          <p:cNvPr id="111" name="Google Shape;111;p21"/>
+          <p:cNvPr id="112" name="Google Shape;112;p21"/>
           <p:cNvSpPr txBox="1"/>
           <p:nvPr>
             <p:ph type="title"/>
@@ -8136,7 +8395,7 @@
       </p:sp>
       <p:sp>
         <p:nvSpPr>
-          <p:cNvPr id="112" name="Google Shape;112;p21"/>
+          <p:cNvPr id="113" name="Google Shape;113;p21"/>
           <p:cNvSpPr txBox="1"/>
           <p:nvPr>
             <p:ph idx="1" type="body"/>
@@ -8175,7 +8434,7 @@
       </p:sp>
       <p:pic>
         <p:nvPicPr>
-          <p:cNvPr id="113" name="Google Shape;113;p21"/>
+          <p:cNvPr id="114" name="Google Shape;114;p21"/>
           <p:cNvPicPr preferRelativeResize="0"/>
           <p:nvPr/>
         </p:nvPicPr>
@@ -8189,8 +8448,8 @@
         </p:blipFill>
         <p:spPr>
           <a:xfrm>
-            <a:off x="0" y="6405"/>
-            <a:ext cx="9143998" cy="5130689"/>
+            <a:off x="15387" y="0"/>
+            <a:ext cx="9113226" cy="5143499"/>
           </a:xfrm>
           <a:prstGeom prst="rect">
             <a:avLst/>
@@ -8210,6 +8469,285 @@
 </file>
 
 <file path=ppt/theme/theme1.xml><?xml version="1.0" encoding="utf-8"?>
+<a:theme xmlns:a="http://schemas.openxmlformats.org/drawingml/2006/main" xmlns:r="http://schemas.openxmlformats.org/officeDocument/2006/relationships">
+  <a:themeElements>
+    <a:clrScheme name="Default">
+      <a:dk1>
+        <a:srgbClr val="000000"/>
+      </a:dk1>
+      <a:lt1>
+        <a:srgbClr val="FFFFFF"/>
+      </a:lt1>
+      <a:dk2>
+        <a:srgbClr val="158158"/>
+      </a:dk2>
+      <a:lt2>
+        <a:srgbClr val="F3F3F3"/>
+      </a:lt2>
+      <a:accent1>
+        <a:srgbClr val="058DC7"/>
+      </a:accent1>
+      <a:accent2>
+        <a:srgbClr val="50B432"/>
+      </a:accent2>
+      <a:accent3>
+        <a:srgbClr val="ED561B"/>
+      </a:accent3>
+      <a:accent4>
+        <a:srgbClr val="EDEF00"/>
+      </a:accent4>
+      <a:accent5>
+        <a:srgbClr val="24CBE5"/>
+      </a:accent5>
+      <a:accent6>
+        <a:srgbClr val="64E572"/>
+      </a:accent6>
+      <a:hlink>
+        <a:srgbClr val="2200CC"/>
+      </a:hlink>
+      <a:folHlink>
+        <a:srgbClr val="551A8B"/>
+      </a:folHlink>
+    </a:clrScheme>
+    <a:fontScheme name="Office">
+      <a:majorFont>
+        <a:latin typeface="Arial"/>
+        <a:ea typeface=""/>
+        <a:cs typeface=""/>
+        <a:font script="Jpan" typeface="ＭＳ Ｐゴシック"/>
+        <a:font script="Hang" typeface="맑은 고딕"/>
+        <a:font script="Hans" typeface="宋体"/>
+        <a:font script="Hant" typeface="新細明體"/>
+        <a:font script="Arab" typeface="Times New Roman"/>
+        <a:font script="Hebr" typeface="Times New Roman"/>
+        <a:font script="Thai" typeface="Angsana New"/>
+        <a:font script="Ethi" typeface="Nyala"/>
+        <a:font script="Beng" typeface="Vrinda"/>
+        <a:font script="Gujr" typeface="Shruti"/>
+        <a:font script="Khmr" typeface="MoolBoran"/>
+        <a:font script="Knda" typeface="Tunga"/>
+        <a:font script="Guru" typeface="Raavi"/>
+        <a:font script="Cans" typeface="Euphemia"/>
+        <a:font script="Cher" typeface="Plantagenet Cherokee"/>
+        <a:font script="Yiii" typeface="Microsoft Yi Baiti"/>
+        <a:font script="Tibt" typeface="Microsoft Himalaya"/>
+        <a:font script="Thaa" typeface="MV Boli"/>
+        <a:font script="Deva" typeface="Mangal"/>
+        <a:font script="Telu" typeface="Gautami"/>
+        <a:font script="Taml" typeface="Latha"/>
+        <a:font script="Syrc" typeface="Estrangelo Edessa"/>
+        <a:font script="Orya" typeface="Kalinga"/>
+        <a:font script="Mlym" typeface="Kartika"/>
+        <a:font script="Laoo" typeface="DokChampa"/>
+        <a:font script="Sinh" typeface="Iskoola Pota"/>
+        <a:font script="Mong" typeface="Mongolian Baiti"/>
+        <a:font script="Viet" typeface="Times New Roman"/>
+        <a:font script="Uigh" typeface="Microsoft Uighur"/>
+        <a:font script="Geor" typeface="Sylfaen"/>
+      </a:majorFont>
+      <a:minorFont>
+        <a:latin typeface="Arial"/>
+        <a:ea typeface=""/>
+        <a:cs typeface=""/>
+        <a:font script="Jpan" typeface="ＭＳ Ｐゴシック"/>
+        <a:font script="Hang" typeface="맑은 고딕"/>
+        <a:font script="Hans" typeface="宋体"/>
+        <a:font script="Hant" typeface="新細明體"/>
+        <a:font script="Arab" typeface="Arial"/>
+        <a:font script="Hebr" typeface="Arial"/>
+        <a:font script="Thai" typeface="Cordia New"/>
+        <a:font script="Ethi" typeface="Nyala"/>
+        <a:font script="Beng" typeface="Vrinda"/>
+        <a:font script="Gujr" typeface="Shruti"/>
+        <a:font script="Khmr" typeface="DaunPenh"/>
+        <a:font script="Knda" typeface="Tunga"/>
+        <a:font script="Guru" typeface="Raavi"/>
+        <a:font script="Cans" typeface="Euphemia"/>
+        <a:font script="Cher" typeface="Plantagenet Cherokee"/>
+        <a:font script="Yiii" typeface="Microsoft Yi Baiti"/>
+        <a:font script="Tibt" typeface="Microsoft Himalaya"/>
+        <a:font script="Thaa" typeface="MV Boli"/>
+        <a:font script="Deva" typeface="Mangal"/>
+        <a:font script="Telu" typeface="Gautami"/>
+        <a:font script="Taml" typeface="Latha"/>
+        <a:font script="Syrc" typeface="Estrangelo Edessa"/>
+        <a:font script="Orya" typeface="Kalinga"/>
+        <a:font script="Mlym" typeface="Kartika"/>
+        <a:font script="Laoo" typeface="DokChampa"/>
+        <a:font script="Sinh" typeface="Iskoola Pota"/>
+        <a:font script="Mong" typeface="Mongolian Baiti"/>
+        <a:font script="Viet" typeface="Arial"/>
+        <a:font script="Uigh" typeface="Microsoft Uighur"/>
+        <a:font script="Geor" typeface="Sylfaen"/>
+      </a:minorFont>
+    </a:fontScheme>
+    <a:fmtScheme name="Office">
+      <a:fillStyleLst>
+        <a:solidFill>
+          <a:schemeClr val="phClr"/>
+        </a:solidFill>
+        <a:gradFill rotWithShape="1">
+          <a:gsLst>
+            <a:gs pos="0">
+              <a:schemeClr val="phClr">
+                <a:tint val="50000"/>
+                <a:satMod val="300000"/>
+              </a:schemeClr>
+            </a:gs>
+            <a:gs pos="35000">
+              <a:schemeClr val="phClr">
+                <a:tint val="37000"/>
+                <a:satMod val="300000"/>
+              </a:schemeClr>
+            </a:gs>
+            <a:gs pos="100000">
+              <a:schemeClr val="phClr">
+                <a:tint val="15000"/>
+                <a:satMod val="350000"/>
+              </a:schemeClr>
+            </a:gs>
+          </a:gsLst>
+          <a:lin ang="16200000" scaled="1"/>
+        </a:gradFill>
+        <a:gradFill rotWithShape="1">
+          <a:gsLst>
+            <a:gs pos="0">
+              <a:schemeClr val="phClr">
+                <a:tint val="100000"/>
+                <a:shade val="100000"/>
+                <a:satMod val="130000"/>
+              </a:schemeClr>
+            </a:gs>
+            <a:gs pos="100000">
+              <a:schemeClr val="phClr">
+                <a:tint val="50000"/>
+                <a:shade val="100000"/>
+                <a:satMod val="350000"/>
+              </a:schemeClr>
+            </a:gs>
+          </a:gsLst>
+          <a:lin ang="16200000" scaled="0"/>
+        </a:gradFill>
+      </a:fillStyleLst>
+      <a:lnStyleLst>
+        <a:ln w="9525" cap="flat" cmpd="sng" algn="ctr">
+          <a:solidFill>
+            <a:schemeClr val="phClr">
+              <a:shade val="95000"/>
+              <a:satMod val="105000"/>
+            </a:schemeClr>
+          </a:solidFill>
+          <a:prstDash val="solid"/>
+        </a:ln>
+        <a:ln w="25400" cap="flat" cmpd="sng" algn="ctr">
+          <a:solidFill>
+            <a:schemeClr val="phClr"/>
+          </a:solidFill>
+          <a:prstDash val="solid"/>
+        </a:ln>
+        <a:ln w="38100" cap="flat" cmpd="sng" algn="ctr">
+          <a:solidFill>
+            <a:schemeClr val="phClr"/>
+          </a:solidFill>
+          <a:prstDash val="solid"/>
+        </a:ln>
+      </a:lnStyleLst>
+      <a:effectStyleLst>
+        <a:effectStyle>
+          <a:effectLst>
+            <a:outerShdw blurRad="40000" dist="20000" dir="5400000" rotWithShape="0">
+              <a:srgbClr val="000000">
+                <a:alpha val="38000"/>
+              </a:srgbClr>
+            </a:outerShdw>
+          </a:effectLst>
+        </a:effectStyle>
+        <a:effectStyle>
+          <a:effectLst>
+            <a:outerShdw blurRad="40000" dist="23000" dir="5400000" rotWithShape="0">
+              <a:srgbClr val="000000">
+                <a:alpha val="35000"/>
+              </a:srgbClr>
+            </a:outerShdw>
+          </a:effectLst>
+        </a:effectStyle>
+        <a:effectStyle>
+          <a:effectLst>
+            <a:outerShdw blurRad="40000" dist="23000" dir="5400000" rotWithShape="0">
+              <a:srgbClr val="000000">
+                <a:alpha val="35000"/>
+              </a:srgbClr>
+            </a:outerShdw>
+          </a:effectLst>
+          <a:scene3d>
+            <a:camera prst="orthographicFront">
+              <a:rot lat="0" lon="0" rev="0"/>
+            </a:camera>
+            <a:lightRig rig="threePt" dir="t">
+              <a:rot lat="0" lon="0" rev="1200000"/>
+            </a:lightRig>
+          </a:scene3d>
+          <a:sp3d>
+            <a:bevelT w="63500" h="25400"/>
+          </a:sp3d>
+        </a:effectStyle>
+      </a:effectStyleLst>
+      <a:bgFillStyleLst>
+        <a:solidFill>
+          <a:schemeClr val="phClr"/>
+        </a:solidFill>
+        <a:gradFill rotWithShape="1">
+          <a:gsLst>
+            <a:gs pos="0">
+              <a:schemeClr val="phClr">
+                <a:tint val="40000"/>
+                <a:satMod val="350000"/>
+              </a:schemeClr>
+            </a:gs>
+            <a:gs pos="40000">
+              <a:schemeClr val="phClr">
+                <a:tint val="45000"/>
+                <a:shade val="99000"/>
+                <a:satMod val="350000"/>
+              </a:schemeClr>
+            </a:gs>
+            <a:gs pos="100000">
+              <a:schemeClr val="phClr">
+                <a:shade val="20000"/>
+                <a:satMod val="255000"/>
+              </a:schemeClr>
+            </a:gs>
+          </a:gsLst>
+          <a:path path="circle">
+            <a:fillToRect l="50000" t="-80000" r="50000" b="180000"/>
+          </a:path>
+        </a:gradFill>
+        <a:gradFill rotWithShape="1">
+          <a:gsLst>
+            <a:gs pos="0">
+              <a:schemeClr val="phClr">
+                <a:tint val="80000"/>
+                <a:satMod val="300000"/>
+              </a:schemeClr>
+            </a:gs>
+            <a:gs pos="100000">
+              <a:schemeClr val="phClr">
+                <a:shade val="30000"/>
+                <a:satMod val="200000"/>
+              </a:schemeClr>
+            </a:gs>
+          </a:gsLst>
+          <a:path path="circle">
+            <a:fillToRect l="50000" t="50000" r="50000" b="50000"/>
+          </a:path>
+        </a:gradFill>
+      </a:bgFillStyleLst>
+    </a:fmtScheme>
+  </a:themeElements>
+</a:theme>
+</file>
+
+<file path=ppt/theme/theme2.xml><?xml version="1.0" encoding="utf-8"?>
 <a:theme xmlns:a="http://schemas.openxmlformats.org/drawingml/2006/main" xmlns:r="http://schemas.openxmlformats.org/officeDocument/2006/relationships" name="Simple Light">
   <a:themeElements>
     <a:clrScheme name="Simple Light">
@@ -8486,283 +9024,4 @@
     </a:fmtScheme>
   </a:themeElements>
 </a:theme>
-</file>
-
-<file path=ppt/theme/theme2.xml><?xml version="1.0" encoding="utf-8"?>
-<a:theme xmlns:a="http://schemas.openxmlformats.org/drawingml/2006/main" xmlns:r="http://schemas.openxmlformats.org/officeDocument/2006/relationships">
-  <a:themeElements>
-    <a:clrScheme name="Default">
-      <a:dk1>
-        <a:srgbClr val="000000"/>
-      </a:dk1>
-      <a:lt1>
-        <a:srgbClr val="FFFFFF"/>
-      </a:lt1>
-      <a:dk2>
-        <a:srgbClr val="158158"/>
-      </a:dk2>
-      <a:lt2>
-        <a:srgbClr val="F3F3F3"/>
-      </a:lt2>
-      <a:accent1>
-        <a:srgbClr val="058DC7"/>
-      </a:accent1>
-      <a:accent2>
-        <a:srgbClr val="50B432"/>
-      </a:accent2>
-      <a:accent3>
-        <a:srgbClr val="ED561B"/>
-      </a:accent3>
-      <a:accent4>
-        <a:srgbClr val="EDEF00"/>
-      </a:accent4>
-      <a:accent5>
-        <a:srgbClr val="24CBE5"/>
-      </a:accent5>
-      <a:accent6>
-        <a:srgbClr val="64E572"/>
-      </a:accent6>
-      <a:hlink>
-        <a:srgbClr val="2200CC"/>
-      </a:hlink>
-      <a:folHlink>
-        <a:srgbClr val="551A8B"/>
-      </a:folHlink>
-    </a:clrScheme>
-    <a:fontScheme name="Office">
-      <a:majorFont>
-        <a:latin typeface="Arial"/>
-        <a:ea typeface=""/>
-        <a:cs typeface=""/>
-        <a:font script="Jpan" typeface="ＭＳ Ｐゴシック"/>
-        <a:font script="Hang" typeface="맑은 고딕"/>
-        <a:font script="Hans" typeface="宋体"/>
-        <a:font script="Hant" typeface="新細明體"/>
-        <a:font script="Arab" typeface="Times New Roman"/>
-        <a:font script="Hebr" typeface="Times New Roman"/>
-        <a:font script="Thai" typeface="Angsana New"/>
-        <a:font script="Ethi" typeface="Nyala"/>
-        <a:font script="Beng" typeface="Vrinda"/>
-        <a:font script="Gujr" typeface="Shruti"/>
-        <a:font script="Khmr" typeface="MoolBoran"/>
-        <a:font script="Knda" typeface="Tunga"/>
-        <a:font script="Guru" typeface="Raavi"/>
-        <a:font script="Cans" typeface="Euphemia"/>
-        <a:font script="Cher" typeface="Plantagenet Cherokee"/>
-        <a:font script="Yiii" typeface="Microsoft Yi Baiti"/>
-        <a:font script="Tibt" typeface="Microsoft Himalaya"/>
-        <a:font script="Thaa" typeface="MV Boli"/>
-        <a:font script="Deva" typeface="Mangal"/>
-        <a:font script="Telu" typeface="Gautami"/>
-        <a:font script="Taml" typeface="Latha"/>
-        <a:font script="Syrc" typeface="Estrangelo Edessa"/>
-        <a:font script="Orya" typeface="Kalinga"/>
-        <a:font script="Mlym" typeface="Kartika"/>
-        <a:font script="Laoo" typeface="DokChampa"/>
-        <a:font script="Sinh" typeface="Iskoola Pota"/>
-        <a:font script="Mong" typeface="Mongolian Baiti"/>
-        <a:font script="Viet" typeface="Times New Roman"/>
-        <a:font script="Uigh" typeface="Microsoft Uighur"/>
-        <a:font script="Geor" typeface="Sylfaen"/>
-      </a:majorFont>
-      <a:minorFont>
-        <a:latin typeface="Arial"/>
-        <a:ea typeface=""/>
-        <a:cs typeface=""/>
-        <a:font script="Jpan" typeface="ＭＳ Ｐゴシック"/>
-        <a:font script="Hang" typeface="맑은 고딕"/>
-        <a:font script="Hans" typeface="宋体"/>
-        <a:font script="Hant" typeface="新細明體"/>
-        <a:font script="Arab" typeface="Arial"/>
-        <a:font script="Hebr" typeface="Arial"/>
-        <a:font script="Thai" typeface="Cordia New"/>
-        <a:font script="Ethi" typeface="Nyala"/>
-        <a:font script="Beng" typeface="Vrinda"/>
-        <a:font script="Gujr" typeface="Shruti"/>
-        <a:font script="Khmr" typeface="DaunPenh"/>
-        <a:font script="Knda" typeface="Tunga"/>
-        <a:font script="Guru" typeface="Raavi"/>
-        <a:font script="Cans" typeface="Euphemia"/>
-        <a:font script="Cher" typeface="Plantagenet Cherokee"/>
-        <a:font script="Yiii" typeface="Microsoft Yi Baiti"/>
-        <a:font script="Tibt" typeface="Microsoft Himalaya"/>
-        <a:font script="Thaa" typeface="MV Boli"/>
-        <a:font script="Deva" typeface="Mangal"/>
-        <a:font script="Telu" typeface="Gautami"/>
-        <a:font script="Taml" typeface="Latha"/>
-        <a:font script="Syrc" typeface="Estrangelo Edessa"/>
-        <a:font script="Orya" typeface="Kalinga"/>
-        <a:font script="Mlym" typeface="Kartika"/>
-        <a:font script="Laoo" typeface="DokChampa"/>
-        <a:font script="Sinh" typeface="Iskoola Pota"/>
-        <a:font script="Mong" typeface="Mongolian Baiti"/>
-        <a:font script="Viet" typeface="Arial"/>
-        <a:font script="Uigh" typeface="Microsoft Uighur"/>
-        <a:font script="Geor" typeface="Sylfaen"/>
-      </a:minorFont>
-    </a:fontScheme>
-    <a:fmtScheme name="Office">
-      <a:fillStyleLst>
-        <a:solidFill>
-          <a:schemeClr val="phClr"/>
-        </a:solidFill>
-        <a:gradFill rotWithShape="1">
-          <a:gsLst>
-            <a:gs pos="0">
-              <a:schemeClr val="phClr">
-                <a:tint val="50000"/>
-                <a:satMod val="300000"/>
-              </a:schemeClr>
-            </a:gs>
-            <a:gs pos="35000">
-              <a:schemeClr val="phClr">
-                <a:tint val="37000"/>
-                <a:satMod val="300000"/>
-              </a:schemeClr>
-            </a:gs>
-            <a:gs pos="100000">
-              <a:schemeClr val="phClr">
-                <a:tint val="15000"/>
-                <a:satMod val="350000"/>
-              </a:schemeClr>
-            </a:gs>
-          </a:gsLst>
-          <a:lin ang="16200000" scaled="1"/>
-        </a:gradFill>
-        <a:gradFill rotWithShape="1">
-          <a:gsLst>
-            <a:gs pos="0">
-              <a:schemeClr val="phClr">
-                <a:tint val="100000"/>
-                <a:shade val="100000"/>
-                <a:satMod val="130000"/>
-              </a:schemeClr>
-            </a:gs>
-            <a:gs pos="100000">
-              <a:schemeClr val="phClr">
-                <a:tint val="50000"/>
-                <a:shade val="100000"/>
-                <a:satMod val="350000"/>
-              </a:schemeClr>
-            </a:gs>
-          </a:gsLst>
-          <a:lin ang="16200000" scaled="0"/>
-        </a:gradFill>
-      </a:fillStyleLst>
-      <a:lnStyleLst>
-        <a:ln w="9525" cap="flat" cmpd="sng" algn="ctr">
-          <a:solidFill>
-            <a:schemeClr val="phClr">
-              <a:shade val="95000"/>
-              <a:satMod val="105000"/>
-            </a:schemeClr>
-          </a:solidFill>
-          <a:prstDash val="solid"/>
-        </a:ln>
-        <a:ln w="25400" cap="flat" cmpd="sng" algn="ctr">
-          <a:solidFill>
-            <a:schemeClr val="phClr"/>
-          </a:solidFill>
-          <a:prstDash val="solid"/>
-        </a:ln>
-        <a:ln w="38100" cap="flat" cmpd="sng" algn="ctr">
-          <a:solidFill>
-            <a:schemeClr val="phClr"/>
-          </a:solidFill>
-          <a:prstDash val="solid"/>
-        </a:ln>
-      </a:lnStyleLst>
-      <a:effectStyleLst>
-        <a:effectStyle>
-          <a:effectLst>
-            <a:outerShdw blurRad="40000" dist="20000" dir="5400000" rotWithShape="0">
-              <a:srgbClr val="000000">
-                <a:alpha val="38000"/>
-              </a:srgbClr>
-            </a:outerShdw>
-          </a:effectLst>
-        </a:effectStyle>
-        <a:effectStyle>
-          <a:effectLst>
-            <a:outerShdw blurRad="40000" dist="23000" dir="5400000" rotWithShape="0">
-              <a:srgbClr val="000000">
-                <a:alpha val="35000"/>
-              </a:srgbClr>
-            </a:outerShdw>
-          </a:effectLst>
-        </a:effectStyle>
-        <a:effectStyle>
-          <a:effectLst>
-            <a:outerShdw blurRad="40000" dist="23000" dir="5400000" rotWithShape="0">
-              <a:srgbClr val="000000">
-                <a:alpha val="35000"/>
-              </a:srgbClr>
-            </a:outerShdw>
-          </a:effectLst>
-          <a:scene3d>
-            <a:camera prst="orthographicFront">
-              <a:rot lat="0" lon="0" rev="0"/>
-            </a:camera>
-            <a:lightRig rig="threePt" dir="t">
-              <a:rot lat="0" lon="0" rev="1200000"/>
-            </a:lightRig>
-          </a:scene3d>
-          <a:sp3d>
-            <a:bevelT w="63500" h="25400"/>
-          </a:sp3d>
-        </a:effectStyle>
-      </a:effectStyleLst>
-      <a:bgFillStyleLst>
-        <a:solidFill>
-          <a:schemeClr val="phClr"/>
-        </a:solidFill>
-        <a:gradFill rotWithShape="1">
-          <a:gsLst>
-            <a:gs pos="0">
-              <a:schemeClr val="phClr">
-                <a:tint val="40000"/>
-                <a:satMod val="350000"/>
-              </a:schemeClr>
-            </a:gs>
-            <a:gs pos="40000">
-              <a:schemeClr val="phClr">
-                <a:tint val="45000"/>
-                <a:shade val="99000"/>
-                <a:satMod val="350000"/>
-              </a:schemeClr>
-            </a:gs>
-            <a:gs pos="100000">
-              <a:schemeClr val="phClr">
-                <a:shade val="20000"/>
-                <a:satMod val="255000"/>
-              </a:schemeClr>
-            </a:gs>
-          </a:gsLst>
-          <a:path path="circle">
-            <a:fillToRect l="50000" t="-80000" r="50000" b="180000"/>
-          </a:path>
-        </a:gradFill>
-        <a:gradFill rotWithShape="1">
-          <a:gsLst>
-            <a:gs pos="0">
-              <a:schemeClr val="phClr">
-                <a:tint val="80000"/>
-                <a:satMod val="300000"/>
-              </a:schemeClr>
-            </a:gs>
-            <a:gs pos="100000">
-              <a:schemeClr val="phClr">
-                <a:shade val="30000"/>
-                <a:satMod val="200000"/>
-              </a:schemeClr>
-            </a:gs>
-          </a:gsLst>
-          <a:path path="circle">
-            <a:fillToRect l="50000" t="50000" r="50000" b="50000"/>
-          </a:path>
-        </a:gradFill>
-      </a:bgFillStyleLst>
-    </a:fmtScheme>
-  </a:themeElements>
-</a:theme>
 </file>